--- a/documentation/required documents/Webasierter Datenkbankmanager - Präsentation - SS.pptx
+++ b/documentation/required documents/Webasierter Datenkbankmanager - Präsentation - SS.pptx
@@ -26,7 +26,7 @@
       <p:bold r:id="rId12"/>
     </p:embeddedFont>
     <p:embeddedFont>
-      <p:font typeface="Fira Code Light" panose="020B0809050000020004" pitchFamily="49" charset="0"/>
+      <p:font typeface="Fira Code Light" pitchFamily="1" charset="0"/>
       <p:regular r:id="rId13"/>
       <p:bold r:id="rId14"/>
     </p:embeddedFont>
@@ -17604,8 +17604,8 @@
         </p:nvSpPr>
         <p:spPr>
           <a:xfrm>
-            <a:off x="1796250" y="1266475"/>
-            <a:ext cx="5551500" cy="1302900"/>
+            <a:off x="1028700" y="1266475"/>
+            <a:ext cx="7050620" cy="1302900"/>
           </a:xfrm>
           <a:prstGeom prst="rect">
             <a:avLst/>
@@ -17628,7 +17628,7 @@
             </a:pPr>
             <a:r>
               <a:rPr lang="en" dirty="0"/>
-              <a:t>&lt;Struktur&gt;</a:t>
+              <a:t>&lt;STRUKTUR&gt;</a:t>
             </a:r>
             <a:endParaRPr dirty="0"/>
           </a:p>
